--- a/Sympy/slides/Funções Vetoriais.pptx
+++ b/Sympy/slides/Funções Vetoriais.pptx
@@ -5,15 +5,18 @@
     <p:sldMasterId id="2147483648" r:id="rId1"/>
   </p:sldMasterIdLst>
   <p:notesMasterIdLst>
-    <p:notesMasterId r:id="rId6"/>
+    <p:notesMasterId r:id="rId9"/>
   </p:notesMasterIdLst>
   <p:handoutMasterIdLst>
-    <p:handoutMasterId r:id="rId7"/>
+    <p:handoutMasterId r:id="rId10"/>
   </p:handoutMasterIdLst>
   <p:sldIdLst>
     <p:sldId id="256" r:id="rId3"/>
     <p:sldId id="257" r:id="rId4"/>
     <p:sldId id="258" r:id="rId5"/>
+    <p:sldId id="259" r:id="rId6"/>
+    <p:sldId id="260" r:id="rId7"/>
+    <p:sldId id="261" r:id="rId8"/>
   </p:sldIdLst>
   <p:sldSz cx="12192000" cy="6858000"/>
   <p:notesSz cx="7103745" cy="10234295"/>
@@ -3827,6 +3830,218 @@
           </a:prstGeom>
         </p:spPr>
       </p:pic>
+    </p:spTree>
+  </p:cSld>
+  <p:clrMapOvr>
+    <a:masterClrMapping/>
+  </p:clrMapOvr>
+</p:sld>
+</file>
+
+<file path=ppt/slides/slide4.xml><?xml version="1.0" encoding="utf-8"?>
+<p:sld xmlns:a="http://schemas.openxmlformats.org/drawingml/2006/main" xmlns:r="http://schemas.openxmlformats.org/officeDocument/2006/relationships" xmlns:p="http://schemas.openxmlformats.org/presentationml/2006/main">
+  <p:cSld>
+    <p:spTree>
+      <p:nvGrpSpPr>
+        <p:cNvPr id="1" name=""/>
+        <p:cNvGrpSpPr/>
+        <p:nvPr/>
+      </p:nvGrpSpPr>
+      <p:grpSpPr/>
+      <p:sp>
+        <p:nvSpPr>
+          <p:cNvPr id="2" name="Title 1"/>
+          <p:cNvSpPr>
+            <a:spLocks noGrp="true"/>
+          </p:cNvSpPr>
+          <p:nvPr>
+            <p:ph type="title"/>
+          </p:nvPr>
+        </p:nvSpPr>
+        <p:spPr/>
+        <p:txBody>
+          <a:bodyPr/>
+          <a:p>
+            <a:r>
+              <a:rPr lang="pt-PT" altLang="en-US" sz="3600" u="sng"/>
+              <a:t>Exemplo</a:t>
+            </a:r>
+            <a:endParaRPr lang="pt-PT" altLang="en-US" sz="3600" u="sng"/>
+          </a:p>
+        </p:txBody>
+      </p:sp>
+      <p:pic>
+        <p:nvPicPr>
+          <p:cNvPr id="4" name="Content Placeholder 3" descr="ex2"/>
+          <p:cNvPicPr>
+            <a:picLocks noChangeAspect="true"/>
+          </p:cNvPicPr>
+          <p:nvPr>
+            <p:ph idx="1"/>
+          </p:nvPr>
+        </p:nvPicPr>
+        <p:blipFill>
+          <a:blip r:embed="rId1"/>
+          <a:stretch>
+            <a:fillRect/>
+          </a:stretch>
+        </p:blipFill>
+        <p:spPr>
+          <a:xfrm>
+            <a:off x="647700" y="1447165"/>
+            <a:ext cx="10039350" cy="647700"/>
+          </a:xfrm>
+          <a:prstGeom prst="rect">
+            <a:avLst/>
+          </a:prstGeom>
+        </p:spPr>
+      </p:pic>
+    </p:spTree>
+  </p:cSld>
+  <p:clrMapOvr>
+    <a:masterClrMapping/>
+  </p:clrMapOvr>
+</p:sld>
+</file>
+
+<file path=ppt/slides/slide5.xml><?xml version="1.0" encoding="utf-8"?>
+<p:sld xmlns:a="http://schemas.openxmlformats.org/drawingml/2006/main" xmlns:r="http://schemas.openxmlformats.org/officeDocument/2006/relationships" xmlns:p="http://schemas.openxmlformats.org/presentationml/2006/main">
+  <p:cSld>
+    <p:spTree>
+      <p:nvGrpSpPr>
+        <p:cNvPr id="1" name=""/>
+        <p:cNvGrpSpPr/>
+        <p:nvPr/>
+      </p:nvGrpSpPr>
+      <p:grpSpPr/>
+      <p:sp>
+        <p:nvSpPr>
+          <p:cNvPr id="2" name="Title 1"/>
+          <p:cNvSpPr>
+            <a:spLocks noGrp="true"/>
+          </p:cNvSpPr>
+          <p:nvPr>
+            <p:ph type="title"/>
+          </p:nvPr>
+        </p:nvSpPr>
+        <p:spPr/>
+        <p:txBody>
+          <a:bodyPr/>
+          <a:p>
+            <a:r>
+              <a:rPr lang="pt-PT" altLang="en-US" sz="3600" u="sng"/>
+              <a:t>Exemplo</a:t>
+            </a:r>
+            <a:endParaRPr lang="pt-PT" altLang="en-US" sz="3600" u="sng"/>
+          </a:p>
+        </p:txBody>
+      </p:sp>
+      <p:pic>
+        <p:nvPicPr>
+          <p:cNvPr id="5" name="Content Placeholder 4" descr="ex3"/>
+          <p:cNvPicPr>
+            <a:picLocks noChangeAspect="true"/>
+          </p:cNvPicPr>
+          <p:nvPr>
+            <p:ph idx="1"/>
+          </p:nvPr>
+        </p:nvPicPr>
+        <p:blipFill>
+          <a:blip r:embed="rId1"/>
+          <a:stretch>
+            <a:fillRect/>
+          </a:stretch>
+        </p:blipFill>
+        <p:spPr>
+          <a:xfrm>
+            <a:off x="647700" y="1307465"/>
+            <a:ext cx="9982200" cy="704850"/>
+          </a:xfrm>
+          <a:prstGeom prst="rect">
+            <a:avLst/>
+          </a:prstGeom>
+        </p:spPr>
+      </p:pic>
+      <p:pic>
+        <p:nvPicPr>
+          <p:cNvPr id="6" name="Picture 5" descr="ex3_fig"/>
+          <p:cNvPicPr>
+            <a:picLocks noChangeAspect="true"/>
+          </p:cNvPicPr>
+          <p:nvPr/>
+        </p:nvPicPr>
+        <p:blipFill>
+          <a:blip r:embed="rId2"/>
+          <a:stretch>
+            <a:fillRect/>
+          </a:stretch>
+        </p:blipFill>
+        <p:spPr>
+          <a:xfrm>
+            <a:off x="8996680" y="1918335"/>
+            <a:ext cx="2979420" cy="3513455"/>
+          </a:xfrm>
+          <a:prstGeom prst="rect">
+            <a:avLst/>
+          </a:prstGeom>
+        </p:spPr>
+      </p:pic>
+    </p:spTree>
+  </p:cSld>
+  <p:clrMapOvr>
+    <a:masterClrMapping/>
+  </p:clrMapOvr>
+</p:sld>
+</file>
+
+<file path=ppt/slides/slide6.xml><?xml version="1.0" encoding="utf-8"?>
+<p:sld xmlns:a="http://schemas.openxmlformats.org/drawingml/2006/main" xmlns:r="http://schemas.openxmlformats.org/officeDocument/2006/relationships" xmlns:p="http://schemas.openxmlformats.org/presentationml/2006/main">
+  <p:cSld>
+    <p:spTree>
+      <p:nvGrpSpPr>
+        <p:cNvPr id="1" name=""/>
+        <p:cNvGrpSpPr/>
+        <p:nvPr/>
+      </p:nvGrpSpPr>
+      <p:grpSpPr/>
+      <p:sp>
+        <p:nvSpPr>
+          <p:cNvPr id="2" name="Title 1"/>
+          <p:cNvSpPr>
+            <a:spLocks noGrp="true"/>
+          </p:cNvSpPr>
+          <p:nvPr>
+            <p:ph type="title"/>
+          </p:nvPr>
+        </p:nvSpPr>
+        <p:spPr/>
+        <p:txBody>
+          <a:bodyPr/>
+          <a:p>
+            <a:r>
+              <a:rPr lang="pt-PT" altLang="en-US" sz="3600" u="sng"/>
+              <a:t>Exemplo</a:t>
+            </a:r>
+            <a:endParaRPr lang="pt-PT" altLang="en-US" sz="3600" u="sng"/>
+          </a:p>
+        </p:txBody>
+      </p:sp>
+      <p:sp>
+        <p:nvSpPr>
+          <p:cNvPr id="3" name="Content Placeholder 2"/>
+          <p:cNvSpPr/>
+          <p:nvPr>
+            <p:ph idx="1"/>
+          </p:nvPr>
+        </p:nvSpPr>
+        <p:spPr/>
+        <p:txBody>
+          <a:bodyPr/>
+          <a:p>
+            <a:endParaRPr lang="en-US"/>
+          </a:p>
+        </p:txBody>
+      </p:sp>
     </p:spTree>
   </p:cSld>
   <p:clrMapOvr>
